--- a/slides/chap4-mln.pptx
+++ b/slides/chap4-mln.pptx
@@ -7192,6 +7192,72 @@
           </a:prstGeom>
         </p:spPr>
       </p:pic>
+      <p:sp>
+        <p:nvSpPr>
+          <p:cNvPr id="3" name="TextBox 2"/>
+          <p:cNvSpPr txBox="1"/>
+          <p:nvPr/>
+        </p:nvSpPr>
+        <p:spPr>
+          <a:xfrm>
+            <a:off x="6858000" y="3429000"/>
+            <a:ext cx="2066436" cy="1200329"/>
+          </a:xfrm>
+          <a:prstGeom prst="rect">
+            <a:avLst/>
+          </a:prstGeom>
+          <a:noFill/>
+        </p:spPr>
+        <p:txBody>
+          <a:bodyPr wrap="square" rtlCol="0">
+            <a:spAutoFit/>
+          </a:bodyPr>
+          <a:lstStyle/>
+          <a:p>
+            <a:r>
+              <a:rPr lang="en-US" dirty="0" smtClean="0">
+                <a:solidFill>
+                  <a:srgbClr val="FF0000"/>
+                </a:solidFill>
+                <a:latin typeface="Arial"/>
+                <a:cs typeface="Arial"/>
+              </a:rPr>
+              <a:t>estimates are </a:t>
+            </a:r>
+          </a:p>
+          <a:p>
+            <a:r>
+              <a:rPr lang="en-US" dirty="0" smtClean="0">
+                <a:solidFill>
+                  <a:srgbClr val="FF0000"/>
+                </a:solidFill>
+                <a:latin typeface="Arial"/>
+                <a:cs typeface="Arial"/>
+              </a:rPr>
+              <a:t>off by 1 or 2 </a:t>
+            </a:r>
+          </a:p>
+          <a:p>
+            <a:r>
+              <a:rPr lang="en-US" dirty="0" smtClean="0">
+                <a:solidFill>
+                  <a:srgbClr val="FF0000"/>
+                </a:solidFill>
+                <a:latin typeface="Arial"/>
+                <a:cs typeface="Arial"/>
+              </a:rPr>
+              <a:t>orders of magnitude!</a:t>
+            </a:r>
+            <a:endParaRPr lang="en-US" dirty="0">
+              <a:solidFill>
+                <a:srgbClr val="FF0000"/>
+              </a:solidFill>
+              <a:latin typeface="Arial"/>
+              <a:cs typeface="Arial"/>
+            </a:endParaRPr>
+          </a:p>
+        </p:txBody>
+      </p:sp>
     </p:spTree>
   </p:cSld>
   <p:clrMapOvr>
@@ -7408,8 +7474,25 @@
             </a:pPr>
             <a:r>
               <a:rPr lang="en-US" sz="2400" dirty="0" smtClean="0"/>
-              <a:t>  = 1921 · 9722/26480 = 705</a:t>
-            </a:r>
+              <a:t>  = 1921 · 9722/26480 = </a:t>
+            </a:r>
+            <a:r>
+              <a:rPr lang="en-US" sz="2400" dirty="0" smtClean="0"/>
+              <a:t>705 </a:t>
+            </a:r>
+            <a:r>
+              <a:rPr lang="en-US" sz="2400" dirty="0" smtClean="0">
+                <a:solidFill>
+                  <a:srgbClr val="FF0000"/>
+                </a:solidFill>
+              </a:rPr>
+              <a:t>(vs. 1529)</a:t>
+            </a:r>
+            <a:endParaRPr lang="en-US" sz="2400" dirty="0" smtClean="0">
+              <a:solidFill>
+                <a:srgbClr val="FF0000"/>
+              </a:solidFill>
+            </a:endParaRPr>
           </a:p>
           <a:p>
             <a:pPr lvl="1">
@@ -7490,11 +7573,82 @@
             </a:r>
             <a:r>
               <a:rPr lang="en-US" sz="2400" dirty="0" smtClean="0"/>
-              <a:t>36427/81885 = 2451</a:t>
-            </a:r>
+              <a:t>36427/81885 = </a:t>
+            </a:r>
+            <a:r>
+              <a:rPr lang="en-US" sz="2400" dirty="0" smtClean="0"/>
+              <a:t>2451 </a:t>
+            </a:r>
+            <a:r>
+              <a:rPr lang="en-US" sz="2400" dirty="0" smtClean="0">
+                <a:solidFill>
+                  <a:srgbClr val="FF0000"/>
+                </a:solidFill>
+              </a:rPr>
+              <a:t>(vs. 3269)</a:t>
+            </a:r>
+            <a:endParaRPr lang="en-US" sz="2400" dirty="0" smtClean="0">
+              <a:solidFill>
+                <a:srgbClr val="FF0000"/>
+              </a:solidFill>
+            </a:endParaRPr>
           </a:p>
           <a:p>
             <a:endParaRPr lang="en-US" dirty="0"/>
+          </a:p>
+        </p:txBody>
+      </p:sp>
+      <p:sp>
+        <p:nvSpPr>
+          <p:cNvPr id="4" name="TextBox 3"/>
+          <p:cNvSpPr txBox="1"/>
+          <p:nvPr/>
+        </p:nvSpPr>
+        <p:spPr>
+          <a:xfrm>
+            <a:off x="6629400" y="6019800"/>
+            <a:ext cx="2066436" cy="646331"/>
+          </a:xfrm>
+          <a:prstGeom prst="rect">
+            <a:avLst/>
+          </a:prstGeom>
+          <a:noFill/>
+        </p:spPr>
+        <p:txBody>
+          <a:bodyPr wrap="square" rtlCol="0">
+            <a:spAutoFit/>
+          </a:bodyPr>
+          <a:lstStyle/>
+          <a:p>
+            <a:r>
+              <a:rPr lang="en-US" dirty="0" smtClean="0">
+                <a:solidFill>
+                  <a:srgbClr val="FF0000"/>
+                </a:solidFill>
+                <a:latin typeface="Arial"/>
+                <a:cs typeface="Arial"/>
+              </a:rPr>
+              <a:t>estimates are </a:t>
+            </a:r>
+          </a:p>
+          <a:p>
+            <a:r>
+              <a:rPr lang="en-US" dirty="0" smtClean="0">
+                <a:solidFill>
+                  <a:srgbClr val="FF0000"/>
+                </a:solidFill>
+                <a:latin typeface="Arial"/>
+                <a:cs typeface="Arial"/>
+              </a:rPr>
+              <a:t>off 25% -- 50%</a:t>
+            </a:r>
+            <a:endParaRPr lang="en-US" dirty="0">
+              <a:solidFill>
+                <a:srgbClr val="FF0000"/>
+              </a:solidFill>
+              <a:latin typeface="Arial"/>
+              <a:cs typeface="Arial"/>
+            </a:endParaRPr>
           </a:p>
         </p:txBody>
       </p:sp>
@@ -7631,7 +7785,23 @@
             <a:pPr lvl="2"/>
             <a:r>
               <a:rPr lang="en-US" dirty="0" smtClean="0"/>
-              <a:t>after processing 3,000 out of the 26,480 documents that contain “aquarium”, </a:t>
+              <a:t>after processing 3,000 out of the 26,480 </a:t>
+            </a:r>
+            <a:r>
+              <a:rPr lang="en-US" dirty="0" smtClean="0">
+                <a:solidFill>
+                  <a:srgbClr val="FF0000"/>
+                </a:solidFill>
+              </a:rPr>
+              <a:t>(~11%) </a:t>
+            </a:r>
+            <a:r>
+              <a:rPr lang="en-US" dirty="0" smtClean="0"/>
+              <a:t>documents </a:t>
+            </a:r>
+            <a:r>
+              <a:rPr lang="en-US" dirty="0" smtClean="0"/>
+              <a:t>that contain “aquarium”, </a:t>
             </a:r>
             <a:r>
               <a:rPr lang="en-US" i="1" dirty="0" smtClean="0"/>
@@ -7671,7 +7841,23 @@
             <a:pPr lvl="2"/>
             <a:r>
               <a:rPr lang="en-US" dirty="0" smtClean="0"/>
-              <a:t>After processing 20% of the documents, </a:t>
+              <a:t>After processing 20% </a:t>
+            </a:r>
+            <a:r>
+              <a:rPr lang="en-US" dirty="0" smtClean="0">
+                <a:solidFill>
+                  <a:srgbClr val="FF0000"/>
+                </a:solidFill>
+              </a:rPr>
+              <a:t>(5296) </a:t>
+            </a:r>
+            <a:r>
+              <a:rPr lang="en-US" dirty="0" smtClean="0"/>
+              <a:t>of </a:t>
+            </a:r>
+            <a:r>
+              <a:rPr lang="en-US" dirty="0" smtClean="0"/>
+              <a:t>the documents, </a:t>
             </a:r>
           </a:p>
           <a:p>
@@ -14613,7 +14799,7 @@
         <p:spPr bwMode="auto">
           <a:xfrm>
             <a:off x="228600" y="2206625"/>
-            <a:ext cx="1692275" cy="639763"/>
+            <a:ext cx="1698752" cy="646331"/>
           </a:xfrm>
           <a:prstGeom prst="rect">
             <a:avLst/>
@@ -14659,7 +14845,7 @@
               <a:defRPr/>
             </a:pPr>
             <a:r>
-              <a:rPr lang="en-US">
+              <a:rPr lang="en-US" sz="1200" dirty="0">
                 <a:latin typeface="Arial" charset="0"/>
                 <a:cs typeface="+mn-cs"/>
               </a:rPr>
@@ -14671,7 +14857,7 @@
               <a:defRPr/>
             </a:pPr>
             <a:r>
-              <a:rPr lang="en-US">
+              <a:rPr lang="en-US" sz="1200" dirty="0">
                 <a:latin typeface="Arial" charset="0"/>
                 <a:cs typeface="+mn-cs"/>
               </a:rPr>
@@ -14683,7 +14869,7 @@
               <a:defRPr/>
             </a:pPr>
             <a:r>
-              <a:rPr lang="en-US">
+              <a:rPr lang="en-US" sz="1200" dirty="0">
                 <a:latin typeface="Arial" charset="0"/>
                 <a:cs typeface="+mn-cs"/>
               </a:rPr>
@@ -14749,7 +14935,7 @@
               <a:defRPr/>
             </a:pPr>
             <a:r>
-              <a:rPr lang="en-US">
+              <a:rPr lang="en-US" sz="1200" dirty="0">
                 <a:latin typeface="Arial" charset="0"/>
                 <a:cs typeface="+mn-cs"/>
               </a:rPr>
@@ -14761,7 +14947,7 @@
               <a:defRPr/>
             </a:pPr>
             <a:r>
-              <a:rPr lang="en-US">
+              <a:rPr lang="en-US" sz="1200" dirty="0">
                 <a:latin typeface="Arial" charset="0"/>
                 <a:cs typeface="+mn-cs"/>
               </a:rPr>
@@ -14781,7 +14967,7 @@
         <p:spPr bwMode="auto">
           <a:xfrm>
             <a:off x="2743200" y="5334000"/>
-            <a:ext cx="4665663" cy="639763"/>
+            <a:ext cx="4623757" cy="646331"/>
           </a:xfrm>
           <a:prstGeom prst="rect">
             <a:avLst/>
@@ -14827,7 +15013,7 @@
               <a:defRPr/>
             </a:pPr>
             <a:r>
-              <a:rPr lang="en-US">
+              <a:rPr lang="en-US" sz="1200" dirty="0">
                 <a:latin typeface="Arial" charset="0"/>
                 <a:cs typeface="+mn-cs"/>
               </a:rPr>
@@ -14839,7 +15025,7 @@
               <a:defRPr/>
             </a:pPr>
             <a:r>
-              <a:rPr lang="en-US">
+              <a:rPr lang="en-US" sz="1200" dirty="0">
                 <a:latin typeface="Arial" charset="0"/>
                 <a:cs typeface="+mn-cs"/>
               </a:rPr>
@@ -14851,7 +15037,7 @@
               <a:defRPr/>
             </a:pPr>
             <a:r>
-              <a:rPr lang="en-US">
+              <a:rPr lang="en-US" sz="1200" dirty="0">
                 <a:latin typeface="Arial" charset="0"/>
                 <a:cs typeface="+mn-cs"/>
               </a:rPr>
@@ -16808,43 +16994,49 @@
               <a:defRPr/>
             </a:pPr>
             <a:r>
-              <a:rPr lang="en-US" smtClean="0">
+              <a:rPr lang="en-US" dirty="0" smtClean="0">
                 <a:cs typeface="+mn-cs"/>
               </a:rPr>
               <a:t>Stop computing when the changes are small:   |PR</a:t>
             </a:r>
             <a:r>
-              <a:rPr lang="en-US" baseline="-25000" smtClean="0">
+              <a:rPr lang="en-US" baseline="-25000" dirty="0" smtClean="0">
                 <a:cs typeface="+mn-cs"/>
               </a:rPr>
               <a:t>i+1</a:t>
             </a:r>
             <a:r>
-              <a:rPr lang="en-US" smtClean="0">
+              <a:rPr lang="en-US" dirty="0" smtClean="0">
                 <a:cs typeface="+mn-cs"/>
               </a:rPr>
-              <a:t> - PR</a:t>
-            </a:r>
-            <a:r>
-              <a:rPr lang="en-US" baseline="-25000" smtClean="0">
+              <a:t> - </a:t>
+            </a:r>
+            <a:r>
+              <a:rPr lang="en-US" dirty="0" err="1" smtClean="0">
                 <a:cs typeface="+mn-cs"/>
               </a:rPr>
+              <a:t>PR</a:t>
+            </a:r>
+            <a:r>
+              <a:rPr lang="en-US" baseline="-25000" dirty="0" err="1" smtClean="0">
+                <a:cs typeface="+mn-cs"/>
+              </a:rPr>
               <a:t>i</a:t>
             </a:r>
             <a:r>
-              <a:rPr lang="en-US" smtClean="0">
+              <a:rPr lang="en-US" dirty="0" smtClean="0">
                 <a:cs typeface="+mn-cs"/>
               </a:rPr>
               <a:t>| &lt; </a:t>
             </a:r>
             <a:r>
-              <a:rPr lang="en-US" smtClean="0">
+              <a:rPr lang="en-US" dirty="0" smtClean="0">
                 <a:cs typeface="+mn-cs"/>
                 <a:sym typeface="Symbol" charset="0"/>
               </a:rPr>
               <a:t></a:t>
             </a:r>
-            <a:endParaRPr lang="en-US" smtClean="0">
+            <a:endParaRPr lang="en-US" dirty="0" smtClean="0">
               <a:cs typeface="+mn-cs"/>
             </a:endParaRPr>
           </a:p>
@@ -16856,7 +17048,7 @@
               <a:defRPr/>
             </a:pPr>
             <a:r>
-              <a:rPr lang="en-US" smtClean="0">
+              <a:rPr lang="en-US" dirty="0" smtClean="0">
                 <a:cs typeface="+mn-cs"/>
               </a:rPr>
               <a:t>PageRank converges in O(log(N)) iterations</a:t>
@@ -16870,8 +17062,12 @@
               <a:defRPr/>
             </a:pPr>
             <a:r>
-              <a:rPr lang="en-US" smtClean="0"/>
-              <a:t>see: "The PageRank Citation Ranking: Bringing Order to the Web" for more information</a:t>
+              <a:rPr lang="en-US" dirty="0" smtClean="0"/>
+              <a:t>see: "The PageRank Citation Ranking: Bringing Order to the Web" for more </a:t>
+            </a:r>
+            <a:r>
+              <a:rPr lang="en-US" dirty="0" smtClean="0"/>
+              <a:t>information</a:t>
             </a:r>
           </a:p>
           <a:p>
@@ -16882,26 +17078,32 @@
               <a:defRPr/>
             </a:pPr>
             <a:r>
-              <a:rPr lang="en-US" smtClean="0">
+              <a:rPr lang="en-US" dirty="0">
                 <a:hlinkClick r:id="rId3"/>
               </a:rPr>
-              <a:t>http://ilpubs.stanford.edu:8090/422/</a:t>
-            </a:r>
-            <a:r>
-              <a:rPr lang="en-US" smtClean="0"/>
+              <a:t>http://ilpubs.stanford.edu/422</a:t>
+            </a:r>
+            <a:r>
+              <a:rPr lang="en-US" dirty="0" smtClean="0">
+                <a:hlinkClick r:id="rId3"/>
+              </a:rPr>
+              <a:t>/</a:t>
+            </a:r>
+            <a:r>
+              <a:rPr lang="en-US" dirty="0" smtClean="0"/>
               <a:t> </a:t>
             </a:r>
-          </a:p>
-          <a:p>
-            <a:pPr>
+            <a:endParaRPr lang="en-US" dirty="0"/>
+          </a:p>
+          <a:p>
+            <a:pPr marL="914400" lvl="2" indent="0">
               <a:lnSpc>
                 <a:spcPct val="90000"/>
               </a:lnSpc>
+              <a:buNone/>
               <a:defRPr/>
             </a:pPr>
-            <a:endParaRPr lang="en-US" smtClean="0">
-              <a:cs typeface="+mn-cs"/>
-            </a:endParaRPr>
+            <a:endParaRPr lang="en-US" dirty="0" smtClean="0"/>
           </a:p>
         </p:txBody>
       </p:sp>
@@ -16995,7 +17197,7 @@
               <a:defRPr/>
             </a:pPr>
             <a:r>
-              <a:rPr lang="en-US" sz="2400" smtClean="0">
+              <a:rPr lang="en-US" sz="2400" dirty="0" smtClean="0">
                 <a:cs typeface="+mn-cs"/>
               </a:rPr>
               <a:t>…but recalling your linear algebra, you're really just computing the eigenvector of the adjacency matrix (each column sums to 0):</a:t>
@@ -17008,7 +17210,7 @@
               </a:lnSpc>
               <a:defRPr/>
             </a:pPr>
-            <a:endParaRPr lang="en-US" sz="2400" smtClean="0">
+            <a:endParaRPr lang="en-US" sz="2400" dirty="0" smtClean="0">
               <a:cs typeface="+mn-cs"/>
             </a:endParaRPr>
           </a:p>
@@ -17019,7 +17221,7 @@
               </a:lnSpc>
               <a:defRPr/>
             </a:pPr>
-            <a:endParaRPr lang="en-US" sz="2400" smtClean="0">
+            <a:endParaRPr lang="en-US" sz="2400" dirty="0" smtClean="0">
               <a:cs typeface="+mn-cs"/>
             </a:endParaRPr>
           </a:p>
@@ -17030,7 +17232,7 @@
               </a:lnSpc>
               <a:defRPr/>
             </a:pPr>
-            <a:endParaRPr lang="en-US" sz="2400" smtClean="0">
+            <a:endParaRPr lang="en-US" sz="2400" dirty="0" smtClean="0">
               <a:cs typeface="+mn-cs"/>
             </a:endParaRPr>
           </a:p>
@@ -17041,7 +17243,7 @@
               </a:lnSpc>
               <a:defRPr/>
             </a:pPr>
-            <a:endParaRPr lang="en-US" sz="2400" smtClean="0">
+            <a:endParaRPr lang="en-US" sz="2400" dirty="0" smtClean="0">
               <a:cs typeface="+mn-cs"/>
             </a:endParaRPr>
           </a:p>
@@ -17053,7 +17255,7 @@
               <a:defRPr/>
             </a:pPr>
             <a:r>
-              <a:rPr lang="en-US" sz="2400" smtClean="0">
+              <a:rPr lang="en-US" sz="2400" dirty="0" smtClean="0">
                 <a:cs typeface="+mn-cs"/>
               </a:rPr>
               <a:t>the innovation was realizing the Web is a graph and applying eigenvector centrality for "quality"</a:t>
@@ -17125,7 +17327,7 @@
         </p:nvSpPr>
         <p:spPr bwMode="auto">
           <a:xfrm>
-            <a:off x="2133600" y="5562600"/>
+            <a:off x="1371600" y="5638800"/>
             <a:ext cx="4919663" cy="822325"/>
           </a:xfrm>
           <a:prstGeom prst="rect">
@@ -17177,7 +17379,7 @@
               <a:defRPr/>
             </a:pPr>
             <a:r>
-              <a:rPr lang="en-US">
+              <a:rPr lang="en-US" dirty="0">
                 <a:latin typeface="Arial" charset="0"/>
                 <a:cs typeface="+mn-cs"/>
               </a:rPr>
@@ -17189,7 +17391,7 @@
               <a:defRPr/>
             </a:pPr>
             <a:r>
-              <a:rPr lang="en-US">
+              <a:rPr lang="en-US" dirty="0">
                 <a:latin typeface="Arial" charset="0"/>
                 <a:cs typeface="+mn-cs"/>
                 <a:hlinkClick r:id="rId4"/>
@@ -17197,7 +17399,7 @@
               <a:t>http://en.wikipedia.org/wiki/PageRank</a:t>
             </a:r>
             <a:r>
-              <a:rPr lang="en-US">
+              <a:rPr lang="en-US" dirty="0">
                 <a:latin typeface="Arial" charset="0"/>
                 <a:cs typeface="+mn-cs"/>
               </a:rPr>
@@ -17209,7 +17411,7 @@
               <a:defRPr/>
             </a:pPr>
             <a:r>
-              <a:rPr lang="en-US">
+              <a:rPr lang="en-US" dirty="0">
                 <a:latin typeface="Arial" charset="0"/>
                 <a:cs typeface="+mn-cs"/>
                 <a:hlinkClick r:id="rId5"/>
@@ -17217,7 +17419,7 @@
               <a:t>http://en.wikipedia.org/wiki/Modified_adjacency_matrix</a:t>
             </a:r>
             <a:r>
-              <a:rPr lang="en-US">
+              <a:rPr lang="en-US" dirty="0">
                 <a:latin typeface="Arial" charset="0"/>
                 <a:cs typeface="+mn-cs"/>
               </a:rPr>
@@ -17229,7 +17431,7 @@
               <a:defRPr/>
             </a:pPr>
             <a:r>
-              <a:rPr lang="en-US">
+              <a:rPr lang="en-US" dirty="0">
                 <a:latin typeface="Arial" charset="0"/>
                 <a:cs typeface="+mn-cs"/>
                 <a:hlinkClick r:id="rId6"/>
@@ -17237,7 +17439,7 @@
               <a:t>http://en.wikipedia.org/wiki/Eigenvalue,_eigenvector_and_eigenspace</a:t>
             </a:r>
             <a:r>
-              <a:rPr lang="en-US">
+              <a:rPr lang="en-US" dirty="0">
                 <a:latin typeface="Arial" charset="0"/>
                 <a:cs typeface="+mn-cs"/>
               </a:rPr>
@@ -17547,14 +17749,24 @@
                 <a:cs typeface="+mn-cs"/>
                 <a:hlinkClick r:id="rId2"/>
               </a:rPr>
-              <a:t>http://www.prchecker.info/check_page_rank.php</a:t>
+              <a:t>http://</a:t>
             </a:r>
             <a:r>
               <a:rPr lang="en-US" dirty="0" smtClean="0">
                 <a:cs typeface="+mn-cs"/>
+                <a:hlinkClick r:id="rId2"/>
+              </a:rPr>
+              <a:t>www.prchecker.info/check_page_rank.php</a:t>
+            </a:r>
+            <a:r>
+              <a:rPr lang="en-US" dirty="0" smtClean="0">
+                <a:cs typeface="+mn-cs"/>
               </a:rPr>
               <a:t> </a:t>
             </a:r>
+            <a:endParaRPr lang="en-US" dirty="0" smtClean="0">
+              <a:cs typeface="+mn-cs"/>
+            </a:endParaRPr>
           </a:p>
           <a:p>
             <a:pPr>
@@ -19573,7 +19785,7 @@
         </p:blipFill>
         <p:spPr bwMode="auto">
           <a:xfrm>
-            <a:off x="1828800" y="1143000"/>
+            <a:off x="1828800" y="1524000"/>
             <a:ext cx="5449888" cy="4886325"/>
           </a:xfrm>
           <a:prstGeom prst="rect">
@@ -19614,7 +19826,7 @@
         </p:nvSpPr>
         <p:spPr bwMode="auto">
           <a:xfrm>
-            <a:off x="2303463" y="5957888"/>
+            <a:off x="2303463" y="6338888"/>
             <a:ext cx="4478337" cy="366712"/>
           </a:xfrm>
           <a:prstGeom prst="rect">
@@ -23739,7 +23951,24 @@
             <a:pPr lvl="1"/>
             <a:r>
               <a:rPr lang="en-US" dirty="0" smtClean="0"/>
-              <a:t>e.g., &lt;start&gt;&lt;name&gt;&lt;not-an-entity&gt;&lt;location&gt;&lt;not-an-entity&gt;&lt;end&gt;</a:t>
+              <a:t>e.g., &lt;start&gt;&lt;name&gt;&lt;not-an-entity</a:t>
+            </a:r>
+            <a:r>
+              <a:rPr lang="en-US" dirty="0" smtClean="0"/>
+              <a:t>&gt;</a:t>
+            </a:r>
+          </a:p>
+          <a:p>
+            <a:pPr marL="457200" lvl="1" indent="0">
+              <a:buNone/>
+            </a:pPr>
+            <a:r>
+              <a:rPr lang="en-US" dirty="0" smtClean="0"/>
+              <a:t>&lt;</a:t>
+            </a:r>
+            <a:r>
+              <a:rPr lang="en-US" dirty="0" smtClean="0"/>
+              <a:t>location&gt;&lt;not-an-entity&gt;&lt;end&gt;</a:t>
             </a:r>
           </a:p>
           <a:p>
@@ -23755,6 +23984,37 @@
           </a:p>
         </p:txBody>
       </p:sp>
+      <p:pic>
+        <p:nvPicPr>
+          <p:cNvPr id="4" name="Picture 2" descr="C:\Users\croft\Desktop\chap4-10.tif"/>
+          <p:cNvPicPr>
+            <a:picLocks noChangeAspect="1" noChangeArrowheads="1"/>
+          </p:cNvPicPr>
+          <p:nvPr/>
+        </p:nvPicPr>
+        <p:blipFill>
+          <a:blip r:embed="rId2"/>
+          <a:srcRect/>
+          <a:stretch>
+            <a:fillRect/>
+          </a:stretch>
+        </p:blipFill>
+        <p:spPr bwMode="auto">
+          <a:xfrm flipV="1">
+            <a:off x="6553200" y="4912154"/>
+            <a:ext cx="2396474" cy="726646"/>
+          </a:xfrm>
+          <a:prstGeom prst="rect">
+            <a:avLst/>
+          </a:prstGeom>
+          <a:noFill/>
+          <a:ln>
+            <a:solidFill>
+              <a:srgbClr val="FF0000"/>
+            </a:solidFill>
+          </a:ln>
+        </p:spPr>
+      </p:pic>
     </p:spTree>
   </p:cSld>
   <p:clrMapOvr>
@@ -23850,6 +24110,65 @@
               <a:t>others, such as product name, can be much worse</a:t>
             </a:r>
             <a:endParaRPr lang="en-US" dirty="0"/>
+          </a:p>
+        </p:txBody>
+      </p:sp>
+      <p:sp>
+        <p:nvSpPr>
+          <p:cNvPr id="4" name="TextBox 3"/>
+          <p:cNvSpPr txBox="1"/>
+          <p:nvPr/>
+        </p:nvSpPr>
+        <p:spPr>
+          <a:xfrm>
+            <a:off x="1143000" y="5943600"/>
+            <a:ext cx="6604467" cy="646331"/>
+          </a:xfrm>
+          <a:prstGeom prst="rect">
+            <a:avLst/>
+          </a:prstGeom>
+          <a:noFill/>
+          <a:ln>
+            <a:solidFill>
+              <a:srgbClr val="FF0000"/>
+            </a:solidFill>
+          </a:ln>
+        </p:spPr>
+        <p:txBody>
+          <a:bodyPr wrap="none" rtlCol="0">
+            <a:spAutoFit/>
+          </a:bodyPr>
+          <a:lstStyle/>
+          <a:p>
+            <a:r>
+              <a:rPr lang="en-US" dirty="0" smtClean="0">
+                <a:solidFill>
+                  <a:srgbClr val="FF0000"/>
+                </a:solidFill>
+                <a:latin typeface="Arial"/>
+                <a:cs typeface="Arial"/>
+              </a:rPr>
+              <a:t>p. 118: “Interestingly, there is little evidence that named entities </a:t>
+            </a:r>
+          </a:p>
+          <a:p>
+            <a:r>
+              <a:rPr lang="en-US" dirty="0" smtClean="0">
+                <a:solidFill>
+                  <a:srgbClr val="FF0000"/>
+                </a:solidFill>
+                <a:latin typeface="Arial"/>
+                <a:cs typeface="Arial"/>
+              </a:rPr>
+              <a:t>             are useful features for general search applications.”</a:t>
+            </a:r>
+            <a:endParaRPr lang="en-US" dirty="0">
+              <a:solidFill>
+                <a:srgbClr val="FF0000"/>
+              </a:solidFill>
+              <a:latin typeface="Arial"/>
+              <a:cs typeface="Arial"/>
+            </a:endParaRPr>
           </a:p>
         </p:txBody>
       </p:sp>
